--- a/Presentation_1.pptx
+++ b/Presentation_1.pptx
@@ -5,7 +5,7 @@
     <p:sldMasterId id="2147483660" r:id="rId1"/>
   </p:sldMasterIdLst>
   <p:notesMasterIdLst>
-    <p:notesMasterId r:id="rId19"/>
+    <p:notesMasterId r:id="rId20"/>
   </p:notesMasterIdLst>
   <p:sldIdLst>
     <p:sldId id="256" r:id="rId2"/>
@@ -17,14 +17,15 @@
     <p:sldId id="262" r:id="rId8"/>
     <p:sldId id="263" r:id="rId9"/>
     <p:sldId id="264" r:id="rId10"/>
-    <p:sldId id="265" r:id="rId11"/>
-    <p:sldId id="266" r:id="rId12"/>
-    <p:sldId id="267" r:id="rId13"/>
-    <p:sldId id="268" r:id="rId14"/>
-    <p:sldId id="269" r:id="rId15"/>
-    <p:sldId id="270" r:id="rId16"/>
-    <p:sldId id="271" r:id="rId17"/>
-    <p:sldId id="272" r:id="rId18"/>
+    <p:sldId id="275" r:id="rId11"/>
+    <p:sldId id="274" r:id="rId12"/>
+    <p:sldId id="265" r:id="rId13"/>
+    <p:sldId id="266" r:id="rId14"/>
+    <p:sldId id="267" r:id="rId15"/>
+    <p:sldId id="268" r:id="rId16"/>
+    <p:sldId id="269" r:id="rId17"/>
+    <p:sldId id="270" r:id="rId18"/>
+    <p:sldId id="272" r:id="rId19"/>
   </p:sldIdLst>
   <p:sldSz cx="9144000" cy="5143500" type="screen16x9"/>
   <p:notesSz cx="6858000" cy="9144000"/>
@@ -257,6 +258,11 @@
       </a:defRPr>
     </a:lvl9pPr>
   </p:defaultTextStyle>
+  <p:extLst>
+    <p:ext uri="{EFAFB233-063F-42B5-8137-9DF3F51BA10A}">
+      <p15:sldGuideLst xmlns:p15="http://schemas.microsoft.com/office/powerpoint/2012/main"/>
+    </p:ext>
+  </p:extLst>
 </p:presentation>
 </file>
 
@@ -1428,110 +1434,6 @@
 </file>
 
 <file path=ppt/notesSlides/notesSlide16.xml><?xml version="1.0" encoding="utf-8"?>
-<p:notes xmlns:a="http://schemas.openxmlformats.org/drawingml/2006/main" xmlns:r="http://schemas.openxmlformats.org/officeDocument/2006/relationships" xmlns:p="http://schemas.openxmlformats.org/presentationml/2006/main" showMasterSp="0" showMasterPhAnim="0">
-  <p:cSld>
-    <p:spTree>
-      <p:nvGrpSpPr>
-        <p:cNvPr id="1" name="Shape 145"/>
-        <p:cNvGrpSpPr/>
-        <p:nvPr/>
-      </p:nvGrpSpPr>
-      <p:grpSpPr>
-        <a:xfrm>
-          <a:off x="0" y="0"/>
-          <a:ext cx="0" cy="0"/>
-          <a:chOff x="0" y="0"/>
-          <a:chExt cx="0" cy="0"/>
-        </a:xfrm>
-      </p:grpSpPr>
-      <p:sp>
-        <p:nvSpPr>
-          <p:cNvPr id="146" name="Google Shape;146;g5041200f92_0_120:notes"/>
-          <p:cNvSpPr>
-            <a:spLocks noGrp="1" noRot="1" noChangeAspect="1"/>
-          </p:cNvSpPr>
-          <p:nvPr>
-            <p:ph type="sldImg" idx="2"/>
-          </p:nvPr>
-        </p:nvSpPr>
-        <p:spPr>
-          <a:xfrm>
-            <a:off x="381000" y="685800"/>
-            <a:ext cx="6096000" cy="3429000"/>
-          </a:xfrm>
-          <a:custGeom>
-            <a:avLst/>
-            <a:gdLst/>
-            <a:ahLst/>
-            <a:cxnLst/>
-            <a:rect l="l" t="t" r="r" b="b"/>
-            <a:pathLst>
-              <a:path w="120000" h="120000" extrusionOk="0">
-                <a:moveTo>
-                  <a:pt x="0" y="0"/>
-                </a:moveTo>
-                <a:lnTo>
-                  <a:pt x="120000" y="0"/>
-                </a:lnTo>
-                <a:lnTo>
-                  <a:pt x="120000" y="120000"/>
-                </a:lnTo>
-                <a:lnTo>
-                  <a:pt x="0" y="120000"/>
-                </a:lnTo>
-                <a:close/>
-              </a:path>
-            </a:pathLst>
-          </a:custGeom>
-        </p:spPr>
-      </p:sp>
-      <p:sp>
-        <p:nvSpPr>
-          <p:cNvPr id="147" name="Google Shape;147;g5041200f92_0_120:notes"/>
-          <p:cNvSpPr txBox="1">
-            <a:spLocks noGrp="1"/>
-          </p:cNvSpPr>
-          <p:nvPr>
-            <p:ph type="body" idx="1"/>
-          </p:nvPr>
-        </p:nvSpPr>
-        <p:spPr>
-          <a:xfrm>
-            <a:off x="685800" y="4343400"/>
-            <a:ext cx="5486400" cy="4114800"/>
-          </a:xfrm>
-          <a:prstGeom prst="rect">
-            <a:avLst/>
-          </a:prstGeom>
-        </p:spPr>
-        <p:txBody>
-          <a:bodyPr spcFirstLastPara="1" wrap="square" lIns="91425" tIns="91425" rIns="91425" bIns="91425" anchor="t" anchorCtr="0">
-            <a:noAutofit/>
-          </a:bodyPr>
-          <a:lstStyle/>
-          <a:p>
-            <a:pPr marL="0" lvl="0" indent="0" algn="l" rtl="0">
-              <a:spcBef>
-                <a:spcPts val="0"/>
-              </a:spcBef>
-              <a:spcAft>
-                <a:spcPts val="0"/>
-              </a:spcAft>
-              <a:buNone/>
-            </a:pPr>
-            <a:endParaRPr/>
-          </a:p>
-        </p:txBody>
-      </p:sp>
-    </p:spTree>
-  </p:cSld>
-  <p:clrMapOvr>
-    <a:masterClrMapping/>
-  </p:clrMapOvr>
-</p:notes>
-</file>
-
-<file path=ppt/notesSlides/notesSlide17.xml><?xml version="1.0" encoding="utf-8"?>
 <p:notes xmlns:a="http://schemas.openxmlformats.org/drawingml/2006/main" xmlns:r="http://schemas.openxmlformats.org/officeDocument/2006/relationships" xmlns:p="http://schemas.openxmlformats.org/presentationml/2006/main" showMasterSp="0" showMasterPhAnim="0">
   <p:cSld>
     <p:spTree>
@@ -3190,7 +3092,7 @@
             <a:fld id="{B61BEF0D-F0BB-DE4B-95CE-6DB70DBA9567}" type="datetimeFigureOut">
               <a:rPr lang="en-US" dirty="0"/>
               <a:pPr/>
-              <a:t>2/18/19</a:t>
+              <a:t>2/19/19</a:t>
             </a:fld>
             <a:endParaRPr lang="en-US" dirty="0"/>
           </a:p>
@@ -3447,7 +3349,7 @@
             <a:fld id="{B61BEF0D-F0BB-DE4B-95CE-6DB70DBA9567}" type="datetimeFigureOut">
               <a:rPr lang="en-US" dirty="0"/>
               <a:pPr/>
-              <a:t>2/18/19</a:t>
+              <a:t>2/19/19</a:t>
             </a:fld>
             <a:endParaRPr lang="en-US" dirty="0"/>
           </a:p>
@@ -3767,7 +3669,7 @@
             <a:fld id="{B61BEF0D-F0BB-DE4B-95CE-6DB70DBA9567}" type="datetimeFigureOut">
               <a:rPr lang="en-US" dirty="0"/>
               <a:pPr/>
-              <a:t>2/18/19</a:t>
+              <a:t>2/19/19</a:t>
             </a:fld>
             <a:endParaRPr lang="en-US" dirty="0"/>
           </a:p>
@@ -4114,7 +4016,7 @@
             <a:fld id="{B61BEF0D-F0BB-DE4B-95CE-6DB70DBA9567}" type="datetimeFigureOut">
               <a:rPr lang="en-US" dirty="0"/>
               <a:pPr/>
-              <a:t>2/18/19</a:t>
+              <a:t>2/19/19</a:t>
             </a:fld>
             <a:endParaRPr lang="en-US" dirty="0"/>
           </a:p>
@@ -4434,7 +4336,7 @@
             <a:fld id="{B61BEF0D-F0BB-DE4B-95CE-6DB70DBA9567}" type="datetimeFigureOut">
               <a:rPr lang="en-US" dirty="0"/>
               <a:pPr/>
-              <a:t>2/18/19</a:t>
+              <a:t>2/19/19</a:t>
             </a:fld>
             <a:endParaRPr lang="en-US" dirty="0"/>
           </a:p>
@@ -4833,7 +4735,7 @@
             <a:fld id="{B61BEF0D-F0BB-DE4B-95CE-6DB70DBA9567}" type="datetimeFigureOut">
               <a:rPr lang="en-US" dirty="0"/>
               <a:pPr/>
-              <a:t>2/18/19</a:t>
+              <a:t>2/19/19</a:t>
             </a:fld>
             <a:endParaRPr lang="en-US" dirty="0"/>
           </a:p>
@@ -5008,7 +4910,7 @@
           <a:p>
             <a:fld id="{55C6B4A9-1611-4792-9094-5F34BCA07E0B}" type="datetimeFigureOut">
               <a:rPr lang="en-US" dirty="0"/>
-              <a:t>2/18/19</a:t>
+              <a:t>2/19/19</a:t>
             </a:fld>
             <a:endParaRPr lang="en-US" dirty="0"/>
           </a:p>
@@ -5194,7 +5096,7 @@
             <a:fld id="{B61BEF0D-F0BB-DE4B-95CE-6DB70DBA9567}" type="datetimeFigureOut">
               <a:rPr lang="en-US" dirty="0"/>
               <a:pPr/>
-              <a:t>2/18/19</a:t>
+              <a:t>2/19/19</a:t>
             </a:fld>
             <a:endParaRPr lang="en-US" dirty="0"/>
           </a:p>
@@ -5739,7 +5641,7 @@
             <a:fld id="{B61BEF0D-F0BB-DE4B-95CE-6DB70DBA9567}" type="datetimeFigureOut">
               <a:rPr lang="en-US" dirty="0"/>
               <a:pPr/>
-              <a:t>2/18/19</a:t>
+              <a:t>2/19/19</a:t>
             </a:fld>
             <a:endParaRPr lang="en-US" dirty="0"/>
           </a:p>
@@ -5992,7 +5894,7 @@
             <a:fld id="{B61BEF0D-F0BB-DE4B-95CE-6DB70DBA9567}" type="datetimeFigureOut">
               <a:rPr lang="en-US" dirty="0"/>
               <a:pPr/>
-              <a:t>2/18/19</a:t>
+              <a:t>2/19/19</a:t>
             </a:fld>
             <a:endParaRPr lang="en-US" dirty="0"/>
           </a:p>
@@ -6229,7 +6131,7 @@
           <a:p>
             <a:fld id="{EB712588-04B1-427B-82EE-E8DB90309F08}" type="datetimeFigureOut">
               <a:rPr lang="en-US" dirty="0"/>
-              <a:t>2/18/19</a:t>
+              <a:t>2/19/19</a:t>
             </a:fld>
             <a:endParaRPr lang="en-US" dirty="0"/>
           </a:p>
@@ -6609,7 +6511,7 @@
             <a:fld id="{B61BEF0D-F0BB-DE4B-95CE-6DB70DBA9567}" type="datetimeFigureOut">
               <a:rPr lang="en-US" dirty="0"/>
               <a:pPr/>
-              <a:t>2/18/19</a:t>
+              <a:t>2/19/19</a:t>
             </a:fld>
             <a:endParaRPr lang="en-US" dirty="0"/>
           </a:p>
@@ -6738,7 +6640,7 @@
             <a:fld id="{B61BEF0D-F0BB-DE4B-95CE-6DB70DBA9567}" type="datetimeFigureOut">
               <a:rPr lang="en-US" dirty="0"/>
               <a:pPr/>
-              <a:t>2/18/19</a:t>
+              <a:t>2/19/19</a:t>
             </a:fld>
             <a:endParaRPr lang="en-US" dirty="0"/>
           </a:p>
@@ -6839,7 +6741,7 @@
             <a:fld id="{B61BEF0D-F0BB-DE4B-95CE-6DB70DBA9567}" type="datetimeFigureOut">
               <a:rPr lang="en-US" dirty="0"/>
               <a:pPr/>
-              <a:t>2/18/19</a:t>
+              <a:t>2/19/19</a:t>
             </a:fld>
             <a:endParaRPr lang="en-US" dirty="0"/>
           </a:p>
@@ -7098,7 +7000,7 @@
           <a:p>
             <a:fld id="{42A54C80-263E-416B-A8E0-580EDEADCBDC}" type="datetimeFigureOut">
               <a:rPr lang="en-US" dirty="0"/>
-              <a:t>2/18/19</a:t>
+              <a:t>2/19/19</a:t>
             </a:fld>
             <a:endParaRPr lang="en-US" dirty="0"/>
           </a:p>
@@ -7367,7 +7269,7 @@
             <a:fld id="{B61BEF0D-F0BB-DE4B-95CE-6DB70DBA9567}" type="datetimeFigureOut">
               <a:rPr lang="en-US" dirty="0"/>
               <a:pPr/>
-              <a:t>2/18/19</a:t>
+              <a:t>2/19/19</a:t>
             </a:fld>
             <a:endParaRPr lang="en-US" dirty="0"/>
           </a:p>
@@ -8116,7 +8018,7 @@
             <a:fld id="{B61BEF0D-F0BB-DE4B-95CE-6DB70DBA9567}" type="datetimeFigureOut">
               <a:rPr lang="en-US" dirty="0"/>
               <a:pPr/>
-              <a:t>2/18/19</a:t>
+              <a:t>2/19/19</a:t>
             </a:fld>
             <a:endParaRPr lang="en-US" dirty="0"/>
           </a:p>
@@ -9749,10 +9651,332 @@
   <p:clrMapOvr>
     <a:masterClrMapping/>
   </p:clrMapOvr>
+  <p:timing>
+    <p:tnLst>
+      <p:par>
+        <p:cTn id="1" dur="indefinite" restart="never" nodeType="tmRoot"/>
+      </p:par>
+    </p:tnLst>
+  </p:timing>
 </p:sld>
 </file>
 
 <file path=ppt/slides/slide10.xml><?xml version="1.0" encoding="utf-8"?>
+<p:sld xmlns:a="http://schemas.openxmlformats.org/drawingml/2006/main" xmlns:r="http://schemas.openxmlformats.org/officeDocument/2006/relationships" xmlns:p="http://schemas.openxmlformats.org/presentationml/2006/main">
+  <p:cSld>
+    <p:spTree>
+      <p:nvGrpSpPr>
+        <p:cNvPr id="1" name=""/>
+        <p:cNvGrpSpPr/>
+        <p:nvPr/>
+      </p:nvGrpSpPr>
+      <p:grpSpPr>
+        <a:xfrm>
+          <a:off x="0" y="0"/>
+          <a:ext cx="0" cy="0"/>
+          <a:chOff x="0" y="0"/>
+          <a:chExt cx="0" cy="0"/>
+        </a:xfrm>
+      </p:grpSpPr>
+      <p:sp>
+        <p:nvSpPr>
+          <p:cNvPr id="2" name="Title 1"/>
+          <p:cNvSpPr>
+            <a:spLocks noGrp="1"/>
+          </p:cNvSpPr>
+          <p:nvPr>
+            <p:ph type="title"/>
+          </p:nvPr>
+        </p:nvSpPr>
+        <p:spPr/>
+        <p:txBody>
+          <a:bodyPr/>
+          <a:lstStyle/>
+          <a:p>
+            <a:r>
+              <a:rPr lang="en-US" dirty="0" smtClean="0"/>
+              <a:t>Features Not Tested</a:t>
+            </a:r>
+            <a:endParaRPr lang="en-US" dirty="0"/>
+          </a:p>
+        </p:txBody>
+      </p:sp>
+      <p:sp>
+        <p:nvSpPr>
+          <p:cNvPr id="3" name="Text Placeholder 2"/>
+          <p:cNvSpPr>
+            <a:spLocks noGrp="1"/>
+          </p:cNvSpPr>
+          <p:nvPr>
+            <p:ph type="body" idx="1"/>
+          </p:nvPr>
+        </p:nvSpPr>
+        <p:spPr/>
+        <p:txBody>
+          <a:bodyPr/>
+          <a:lstStyle/>
+          <a:p>
+            <a:pPr marL="114300" indent="0">
+              <a:lnSpc>
+                <a:spcPct val="150000"/>
+              </a:lnSpc>
+              <a:buNone/>
+            </a:pPr>
+            <a:r>
+              <a:rPr lang="en-US" dirty="0" smtClean="0"/>
+              <a:t>Not tested (or not implemented)</a:t>
+            </a:r>
+          </a:p>
+          <a:p>
+            <a:pPr>
+              <a:lnSpc>
+                <a:spcPct val="150000"/>
+              </a:lnSpc>
+            </a:pPr>
+            <a:r>
+              <a:rPr lang="en-US" dirty="0" smtClean="0"/>
+              <a:t>Password Idle</a:t>
+            </a:r>
+          </a:p>
+          <a:p>
+            <a:pPr>
+              <a:lnSpc>
+                <a:spcPct val="150000"/>
+              </a:lnSpc>
+            </a:pPr>
+            <a:r>
+              <a:rPr lang="en-US" dirty="0" smtClean="0"/>
+              <a:t>End Semester Cleanup</a:t>
+            </a:r>
+          </a:p>
+          <a:p>
+            <a:pPr>
+              <a:lnSpc>
+                <a:spcPct val="150000"/>
+              </a:lnSpc>
+            </a:pPr>
+            <a:r>
+              <a:rPr lang="en-US" dirty="0" smtClean="0"/>
+              <a:t>Presentation Setup</a:t>
+            </a:r>
+          </a:p>
+          <a:p>
+            <a:pPr>
+              <a:lnSpc>
+                <a:spcPct val="150000"/>
+              </a:lnSpc>
+            </a:pPr>
+            <a:r>
+              <a:rPr lang="en-US" dirty="0" smtClean="0"/>
+              <a:t>Exam Setup</a:t>
+            </a:r>
+          </a:p>
+          <a:p>
+            <a:pPr>
+              <a:lnSpc>
+                <a:spcPct val="150000"/>
+              </a:lnSpc>
+            </a:pPr>
+            <a:r>
+              <a:rPr lang="en-US" dirty="0" smtClean="0"/>
+              <a:t>Single Day Setup</a:t>
+            </a:r>
+          </a:p>
+          <a:p>
+            <a:pPr>
+              <a:lnSpc>
+                <a:spcPct val="150000"/>
+              </a:lnSpc>
+            </a:pPr>
+            <a:r>
+              <a:rPr lang="en-US" dirty="0" smtClean="0"/>
+              <a:t>Features</a:t>
+            </a:r>
+          </a:p>
+          <a:p>
+            <a:pPr>
+              <a:lnSpc>
+                <a:spcPct val="150000"/>
+              </a:lnSpc>
+            </a:pPr>
+            <a:r>
+              <a:rPr lang="en-US" dirty="0" smtClean="0"/>
+              <a:t>Alarm</a:t>
+            </a:r>
+          </a:p>
+        </p:txBody>
+      </p:sp>
+    </p:spTree>
+    <p:extLst>
+      <p:ext uri="{BB962C8B-B14F-4D97-AF65-F5344CB8AC3E}">
+        <p14:creationId xmlns:p14="http://schemas.microsoft.com/office/powerpoint/2010/main" val="1814085428"/>
+      </p:ext>
+    </p:extLst>
+  </p:cSld>
+  <p:clrMapOvr>
+    <a:masterClrMapping/>
+  </p:clrMapOvr>
+  <p:timing>
+    <p:tnLst>
+      <p:par>
+        <p:cTn id="1" dur="indefinite" restart="never" nodeType="tmRoot"/>
+      </p:par>
+    </p:tnLst>
+  </p:timing>
+</p:sld>
+</file>
+
+<file path=ppt/slides/slide11.xml><?xml version="1.0" encoding="utf-8"?>
+<p:sld xmlns:a="http://schemas.openxmlformats.org/drawingml/2006/main" xmlns:r="http://schemas.openxmlformats.org/officeDocument/2006/relationships" xmlns:p="http://schemas.openxmlformats.org/presentationml/2006/main">
+  <p:cSld>
+    <p:spTree>
+      <p:nvGrpSpPr>
+        <p:cNvPr id="1" name=""/>
+        <p:cNvGrpSpPr/>
+        <p:nvPr/>
+      </p:nvGrpSpPr>
+      <p:grpSpPr>
+        <a:xfrm>
+          <a:off x="0" y="0"/>
+          <a:ext cx="0" cy="0"/>
+          <a:chOff x="0" y="0"/>
+          <a:chExt cx="0" cy="0"/>
+        </a:xfrm>
+      </p:grpSpPr>
+      <p:sp>
+        <p:nvSpPr>
+          <p:cNvPr id="2" name="Title 1"/>
+          <p:cNvSpPr>
+            <a:spLocks noGrp="1"/>
+          </p:cNvSpPr>
+          <p:nvPr>
+            <p:ph type="title"/>
+          </p:nvPr>
+        </p:nvSpPr>
+        <p:spPr/>
+        <p:txBody>
+          <a:bodyPr/>
+          <a:lstStyle/>
+          <a:p>
+            <a:r>
+              <a:rPr lang="en-US" dirty="0" smtClean="0"/>
+              <a:t>Test Reference Tables</a:t>
+            </a:r>
+            <a:endParaRPr lang="en-US" dirty="0"/>
+          </a:p>
+        </p:txBody>
+      </p:sp>
+      <p:pic>
+        <p:nvPicPr>
+          <p:cNvPr id="5" name="Picture 4"/>
+          <p:cNvPicPr>
+            <a:picLocks noChangeAspect="1"/>
+          </p:cNvPicPr>
+          <p:nvPr/>
+        </p:nvPicPr>
+        <p:blipFill>
+          <a:blip r:embed="rId2">
+            <a:extLst>
+              <a:ext uri="{28A0092B-C50C-407E-A947-70E740481C1C}">
+                <a14:useLocalDpi xmlns:a14="http://schemas.microsoft.com/office/drawing/2010/main" val="0"/>
+              </a:ext>
+            </a:extLst>
+          </a:blip>
+          <a:stretch>
+            <a:fillRect/>
+          </a:stretch>
+        </p:blipFill>
+        <p:spPr>
+          <a:xfrm>
+            <a:off x="109728" y="2062743"/>
+            <a:ext cx="8863076" cy="1244448"/>
+          </a:xfrm>
+          <a:prstGeom prst="rect">
+            <a:avLst/>
+          </a:prstGeom>
+        </p:spPr>
+      </p:pic>
+      <p:pic>
+        <p:nvPicPr>
+          <p:cNvPr id="6" name="Picture 5"/>
+          <p:cNvPicPr>
+            <a:picLocks noChangeAspect="1"/>
+          </p:cNvPicPr>
+          <p:nvPr/>
+        </p:nvPicPr>
+        <p:blipFill>
+          <a:blip r:embed="rId3">
+            <a:extLst>
+              <a:ext uri="{28A0092B-C50C-407E-A947-70E740481C1C}">
+                <a14:useLocalDpi xmlns:a14="http://schemas.microsoft.com/office/drawing/2010/main" val="0"/>
+              </a:ext>
+            </a:extLst>
+          </a:blip>
+          <a:stretch>
+            <a:fillRect/>
+          </a:stretch>
+        </p:blipFill>
+        <p:spPr>
+          <a:xfrm>
+            <a:off x="4541266" y="116840"/>
+            <a:ext cx="2120900" cy="1671320"/>
+          </a:xfrm>
+          <a:prstGeom prst="rect">
+            <a:avLst/>
+          </a:prstGeom>
+        </p:spPr>
+      </p:pic>
+      <p:pic>
+        <p:nvPicPr>
+          <p:cNvPr id="8" name="Picture 7"/>
+          <p:cNvPicPr>
+            <a:picLocks noChangeAspect="1"/>
+          </p:cNvPicPr>
+          <p:nvPr/>
+        </p:nvPicPr>
+        <p:blipFill>
+          <a:blip r:embed="rId4">
+            <a:extLst>
+              <a:ext uri="{28A0092B-C50C-407E-A947-70E740481C1C}">
+                <a14:useLocalDpi xmlns:a14="http://schemas.microsoft.com/office/drawing/2010/main" val="0"/>
+              </a:ext>
+            </a:extLst>
+          </a:blip>
+          <a:stretch>
+            <a:fillRect/>
+          </a:stretch>
+        </p:blipFill>
+        <p:spPr>
+          <a:xfrm>
+            <a:off x="109728" y="3319673"/>
+            <a:ext cx="8863076" cy="1644873"/>
+          </a:xfrm>
+          <a:prstGeom prst="rect">
+            <a:avLst/>
+          </a:prstGeom>
+        </p:spPr>
+      </p:pic>
+    </p:spTree>
+    <p:extLst>
+      <p:ext uri="{BB962C8B-B14F-4D97-AF65-F5344CB8AC3E}">
+        <p14:creationId xmlns:p14="http://schemas.microsoft.com/office/powerpoint/2010/main" val="1053282678"/>
+      </p:ext>
+    </p:extLst>
+  </p:cSld>
+  <p:clrMapOvr>
+    <a:masterClrMapping/>
+  </p:clrMapOvr>
+  <p:timing>
+    <p:tnLst>
+      <p:par>
+        <p:cTn id="1" dur="indefinite" restart="never" nodeType="tmRoot"/>
+      </p:par>
+    </p:tnLst>
+  </p:timing>
+</p:sld>
+</file>
+
+<file path=ppt/slides/slide12.xml><?xml version="1.0" encoding="utf-8"?>
 <p:sld xmlns:a="http://schemas.openxmlformats.org/drawingml/2006/main" xmlns:r="http://schemas.openxmlformats.org/officeDocument/2006/relationships" xmlns:p="http://schemas.openxmlformats.org/presentationml/2006/main">
   <p:cSld>
     <p:spTree>
@@ -9841,15 +10065,52 @@
           </a:p>
         </p:txBody>
       </p:sp>
+      <p:pic>
+        <p:nvPicPr>
+          <p:cNvPr id="2" name="Picture 1"/>
+          <p:cNvPicPr>
+            <a:picLocks noChangeAspect="1"/>
+          </p:cNvPicPr>
+          <p:nvPr/>
+        </p:nvPicPr>
+        <p:blipFill>
+          <a:blip r:embed="rId3">
+            <a:extLst>
+              <a:ext uri="{28A0092B-C50C-407E-A947-70E740481C1C}">
+                <a14:useLocalDpi xmlns:a14="http://schemas.microsoft.com/office/drawing/2010/main" val="0"/>
+              </a:ext>
+            </a:extLst>
+          </a:blip>
+          <a:stretch>
+            <a:fillRect/>
+          </a:stretch>
+        </p:blipFill>
+        <p:spPr>
+          <a:xfrm>
+            <a:off x="311700" y="1171600"/>
+            <a:ext cx="8188344" cy="2943200"/>
+          </a:xfrm>
+          <a:prstGeom prst="rect">
+            <a:avLst/>
+          </a:prstGeom>
+        </p:spPr>
+      </p:pic>
     </p:spTree>
   </p:cSld>
   <p:clrMapOvr>
     <a:masterClrMapping/>
   </p:clrMapOvr>
+  <p:timing>
+    <p:tnLst>
+      <p:par>
+        <p:cTn id="1" dur="indefinite" restart="never" nodeType="tmRoot"/>
+      </p:par>
+    </p:tnLst>
+  </p:timing>
 </p:sld>
 </file>
 
-<file path=ppt/slides/slide11.xml><?xml version="1.0" encoding="utf-8"?>
+<file path=ppt/slides/slide13.xml><?xml version="1.0" encoding="utf-8"?>
 <p:sld xmlns:a="http://schemas.openxmlformats.org/drawingml/2006/main" xmlns:r="http://schemas.openxmlformats.org/officeDocument/2006/relationships" xmlns:p="http://schemas.openxmlformats.org/presentationml/2006/main">
   <p:cSld>
     <p:spTree>
@@ -9943,15 +10204,52 @@
           </a:p>
         </p:txBody>
       </p:sp>
+      <p:pic>
+        <p:nvPicPr>
+          <p:cNvPr id="2" name="Picture 1"/>
+          <p:cNvPicPr>
+            <a:picLocks noChangeAspect="1"/>
+          </p:cNvPicPr>
+          <p:nvPr/>
+        </p:nvPicPr>
+        <p:blipFill>
+          <a:blip r:embed="rId3">
+            <a:extLst>
+              <a:ext uri="{28A0092B-C50C-407E-A947-70E740481C1C}">
+                <a14:useLocalDpi xmlns:a14="http://schemas.microsoft.com/office/drawing/2010/main" val="0"/>
+              </a:ext>
+            </a:extLst>
+          </a:blip>
+          <a:stretch>
+            <a:fillRect/>
+          </a:stretch>
+        </p:blipFill>
+        <p:spPr>
+          <a:xfrm>
+            <a:off x="311699" y="1171600"/>
+            <a:ext cx="8076039" cy="3016352"/>
+          </a:xfrm>
+          <a:prstGeom prst="rect">
+            <a:avLst/>
+          </a:prstGeom>
+        </p:spPr>
+      </p:pic>
     </p:spTree>
   </p:cSld>
   <p:clrMapOvr>
     <a:masterClrMapping/>
   </p:clrMapOvr>
+  <p:timing>
+    <p:tnLst>
+      <p:par>
+        <p:cTn id="1" dur="indefinite" restart="never" nodeType="tmRoot"/>
+      </p:par>
+    </p:tnLst>
+  </p:timing>
 </p:sld>
 </file>
 
-<file path=ppt/slides/slide12.xml><?xml version="1.0" encoding="utf-8"?>
+<file path=ppt/slides/slide14.xml><?xml version="1.0" encoding="utf-8"?>
 <p:sld xmlns:a="http://schemas.openxmlformats.org/drawingml/2006/main" xmlns:r="http://schemas.openxmlformats.org/officeDocument/2006/relationships" xmlns:p="http://schemas.openxmlformats.org/presentationml/2006/main">
   <p:cSld>
     <p:spTree>
@@ -10036,19 +10334,56 @@
               </a:spcAft>
               <a:buNone/>
             </a:pPr>
-            <a:endParaRPr/>
-          </a:p>
-        </p:txBody>
-      </p:sp>
+            <a:endParaRPr dirty="0"/>
+          </a:p>
+        </p:txBody>
+      </p:sp>
+      <p:pic>
+        <p:nvPicPr>
+          <p:cNvPr id="3" name="Picture 2"/>
+          <p:cNvPicPr>
+            <a:picLocks noChangeAspect="1"/>
+          </p:cNvPicPr>
+          <p:nvPr/>
+        </p:nvPicPr>
+        <p:blipFill>
+          <a:blip r:embed="rId3">
+            <a:extLst>
+              <a:ext uri="{28A0092B-C50C-407E-A947-70E740481C1C}">
+                <a14:useLocalDpi xmlns:a14="http://schemas.microsoft.com/office/drawing/2010/main" val="0"/>
+              </a:ext>
+            </a:extLst>
+          </a:blip>
+          <a:stretch>
+            <a:fillRect/>
+          </a:stretch>
+        </p:blipFill>
+        <p:spPr>
+          <a:xfrm>
+            <a:off x="311700" y="1171600"/>
+            <a:ext cx="8061504" cy="2687168"/>
+          </a:xfrm>
+          <a:prstGeom prst="rect">
+            <a:avLst/>
+          </a:prstGeom>
+        </p:spPr>
+      </p:pic>
     </p:spTree>
   </p:cSld>
   <p:clrMapOvr>
     <a:masterClrMapping/>
   </p:clrMapOvr>
+  <p:timing>
+    <p:tnLst>
+      <p:par>
+        <p:cTn id="1" dur="indefinite" restart="never" nodeType="tmRoot"/>
+      </p:par>
+    </p:tnLst>
+  </p:timing>
 </p:sld>
 </file>
 
-<file path=ppt/slides/slide13.xml><?xml version="1.0" encoding="utf-8"?>
+<file path=ppt/slides/slide15.xml><?xml version="1.0" encoding="utf-8"?>
 <p:sld xmlns:a="http://schemas.openxmlformats.org/drawingml/2006/main" xmlns:r="http://schemas.openxmlformats.org/officeDocument/2006/relationships" xmlns:p="http://schemas.openxmlformats.org/presentationml/2006/main">
   <p:cSld>
     <p:spTree>
@@ -10142,15 +10477,52 @@
           </a:p>
         </p:txBody>
       </p:sp>
+      <p:pic>
+        <p:nvPicPr>
+          <p:cNvPr id="3" name="Picture 2"/>
+          <p:cNvPicPr>
+            <a:picLocks noChangeAspect="1"/>
+          </p:cNvPicPr>
+          <p:nvPr/>
+        </p:nvPicPr>
+        <p:blipFill>
+          <a:blip r:embed="rId3">
+            <a:extLst>
+              <a:ext uri="{28A0092B-C50C-407E-A947-70E740481C1C}">
+                <a14:useLocalDpi xmlns:a14="http://schemas.microsoft.com/office/drawing/2010/main" val="0"/>
+              </a:ext>
+            </a:extLst>
+          </a:blip>
+          <a:stretch>
+            <a:fillRect/>
+          </a:stretch>
+        </p:blipFill>
+        <p:spPr>
+          <a:xfrm>
+            <a:off x="311700" y="1171600"/>
+            <a:ext cx="8110626" cy="2833472"/>
+          </a:xfrm>
+          <a:prstGeom prst="rect">
+            <a:avLst/>
+          </a:prstGeom>
+        </p:spPr>
+      </p:pic>
     </p:spTree>
   </p:cSld>
   <p:clrMapOvr>
     <a:masterClrMapping/>
   </p:clrMapOvr>
+  <p:timing>
+    <p:tnLst>
+      <p:par>
+        <p:cTn id="1" dur="indefinite" restart="never" nodeType="tmRoot"/>
+      </p:par>
+    </p:tnLst>
+  </p:timing>
 </p:sld>
 </file>
 
-<file path=ppt/slides/slide14.xml><?xml version="1.0" encoding="utf-8"?>
+<file path=ppt/slides/slide16.xml><?xml version="1.0" encoding="utf-8"?>
 <p:sld xmlns:a="http://schemas.openxmlformats.org/drawingml/2006/main" xmlns:r="http://schemas.openxmlformats.org/officeDocument/2006/relationships" xmlns:p="http://schemas.openxmlformats.org/presentationml/2006/main">
   <p:cSld>
     <p:spTree>
@@ -10239,15 +10611,52 @@
           </a:p>
         </p:txBody>
       </p:sp>
+      <p:pic>
+        <p:nvPicPr>
+          <p:cNvPr id="2" name="Picture 1"/>
+          <p:cNvPicPr>
+            <a:picLocks noChangeAspect="1"/>
+          </p:cNvPicPr>
+          <p:nvPr/>
+        </p:nvPicPr>
+        <p:blipFill>
+          <a:blip r:embed="rId3">
+            <a:extLst>
+              <a:ext uri="{28A0092B-C50C-407E-A947-70E740481C1C}">
+                <a14:useLocalDpi xmlns:a14="http://schemas.microsoft.com/office/drawing/2010/main" val="0"/>
+              </a:ext>
+            </a:extLst>
+          </a:blip>
+          <a:stretch>
+            <a:fillRect/>
+          </a:stretch>
+        </p:blipFill>
+        <p:spPr>
+          <a:xfrm>
+            <a:off x="311700" y="1171600"/>
+            <a:ext cx="8100780" cy="3240312"/>
+          </a:xfrm>
+          <a:prstGeom prst="rect">
+            <a:avLst/>
+          </a:prstGeom>
+        </p:spPr>
+      </p:pic>
     </p:spTree>
   </p:cSld>
   <p:clrMapOvr>
     <a:masterClrMapping/>
   </p:clrMapOvr>
+  <p:timing>
+    <p:tnLst>
+      <p:par>
+        <p:cTn id="1" dur="indefinite" restart="never" nodeType="tmRoot"/>
+      </p:par>
+    </p:tnLst>
+  </p:timing>
 </p:sld>
 </file>
 
-<file path=ppt/slides/slide15.xml><?xml version="1.0" encoding="utf-8"?>
+<file path=ppt/slides/slide17.xml><?xml version="1.0" encoding="utf-8"?>
 <p:sld xmlns:a="http://schemas.openxmlformats.org/drawingml/2006/main" xmlns:r="http://schemas.openxmlformats.org/officeDocument/2006/relationships" xmlns:p="http://schemas.openxmlformats.org/presentationml/2006/main">
   <p:cSld>
     <p:spTree>
@@ -10341,112 +10750,52 @@
           </a:p>
         </p:txBody>
       </p:sp>
+      <p:pic>
+        <p:nvPicPr>
+          <p:cNvPr id="3" name="Picture 2"/>
+          <p:cNvPicPr>
+            <a:picLocks noChangeAspect="1"/>
+          </p:cNvPicPr>
+          <p:nvPr/>
+        </p:nvPicPr>
+        <p:blipFill>
+          <a:blip r:embed="rId3">
+            <a:extLst>
+              <a:ext uri="{28A0092B-C50C-407E-A947-70E740481C1C}">
+                <a14:useLocalDpi xmlns:a14="http://schemas.microsoft.com/office/drawing/2010/main" val="0"/>
+              </a:ext>
+            </a:extLst>
+          </a:blip>
+          <a:stretch>
+            <a:fillRect/>
+          </a:stretch>
+        </p:blipFill>
+        <p:spPr>
+          <a:xfrm>
+            <a:off x="311700" y="1171600"/>
+            <a:ext cx="8119068" cy="2801228"/>
+          </a:xfrm>
+          <a:prstGeom prst="rect">
+            <a:avLst/>
+          </a:prstGeom>
+        </p:spPr>
+      </p:pic>
     </p:spTree>
   </p:cSld>
   <p:clrMapOvr>
     <a:masterClrMapping/>
   </p:clrMapOvr>
+  <p:timing>
+    <p:tnLst>
+      <p:par>
+        <p:cTn id="1" dur="indefinite" restart="never" nodeType="tmRoot"/>
+      </p:par>
+    </p:tnLst>
+  </p:timing>
 </p:sld>
 </file>
 
-<file path=ppt/slides/slide16.xml><?xml version="1.0" encoding="utf-8"?>
-<p:sld xmlns:a="http://schemas.openxmlformats.org/drawingml/2006/main" xmlns:r="http://schemas.openxmlformats.org/officeDocument/2006/relationships" xmlns:p="http://schemas.openxmlformats.org/presentationml/2006/main">
-  <p:cSld>
-    <p:spTree>
-      <p:nvGrpSpPr>
-        <p:cNvPr id="1" name="Shape 148"/>
-        <p:cNvGrpSpPr/>
-        <p:nvPr/>
-      </p:nvGrpSpPr>
-      <p:grpSpPr>
-        <a:xfrm>
-          <a:off x="0" y="0"/>
-          <a:ext cx="0" cy="0"/>
-          <a:chOff x="0" y="0"/>
-          <a:chExt cx="0" cy="0"/>
-        </a:xfrm>
-      </p:grpSpPr>
-      <p:sp>
-        <p:nvSpPr>
-          <p:cNvPr id="149" name="Google Shape;149;p28"/>
-          <p:cNvSpPr txBox="1">
-            <a:spLocks noGrp="1"/>
-          </p:cNvSpPr>
-          <p:nvPr>
-            <p:ph type="title"/>
-          </p:nvPr>
-        </p:nvSpPr>
-        <p:spPr>
-          <a:prstGeom prst="rect">
-            <a:avLst/>
-          </a:prstGeom>
-        </p:spPr>
-        <p:txBody>
-          <a:bodyPr spcFirstLastPara="1" wrap="square" lIns="91425" tIns="91425" rIns="91425" bIns="91425" anchor="t" anchorCtr="0">
-            <a:noAutofit/>
-          </a:bodyPr>
-          <a:lstStyle/>
-          <a:p>
-            <a:pPr marL="0" lvl="0" indent="0" algn="l" rtl="0">
-              <a:spcBef>
-                <a:spcPts val="0"/>
-              </a:spcBef>
-              <a:spcAft>
-                <a:spcPts val="0"/>
-              </a:spcAft>
-              <a:buNone/>
-            </a:pPr>
-            <a:r>
-              <a:rPr lang="en"/>
-              <a:t>Demo of each test</a:t>
-            </a:r>
-            <a:endParaRPr/>
-          </a:p>
-        </p:txBody>
-      </p:sp>
-      <p:sp>
-        <p:nvSpPr>
-          <p:cNvPr id="150" name="Google Shape;150;p28"/>
-          <p:cNvSpPr txBox="1">
-            <a:spLocks noGrp="1"/>
-          </p:cNvSpPr>
-          <p:nvPr>
-            <p:ph type="body" idx="1"/>
-          </p:nvPr>
-        </p:nvSpPr>
-        <p:spPr>
-          <a:prstGeom prst="rect">
-            <a:avLst/>
-          </a:prstGeom>
-        </p:spPr>
-        <p:txBody>
-          <a:bodyPr spcFirstLastPara="1" wrap="square" lIns="91425" tIns="91425" rIns="91425" bIns="91425" anchor="t" anchorCtr="0">
-            <a:noAutofit/>
-          </a:bodyPr>
-          <a:lstStyle/>
-          <a:p>
-            <a:pPr marL="0" lvl="0" indent="0" algn="l" rtl="0">
-              <a:spcBef>
-                <a:spcPts val="0"/>
-              </a:spcBef>
-              <a:spcAft>
-                <a:spcPts val="1600"/>
-              </a:spcAft>
-              <a:buNone/>
-            </a:pPr>
-            <a:endParaRPr/>
-          </a:p>
-        </p:txBody>
-      </p:sp>
-    </p:spTree>
-  </p:cSld>
-  <p:clrMapOvr>
-    <a:masterClrMapping/>
-  </p:clrMapOvr>
-</p:sld>
-</file>
-
-<file path=ppt/slides/slide17.xml><?xml version="1.0" encoding="utf-8"?>
+<file path=ppt/slides/slide18.xml><?xml version="1.0" encoding="utf-8"?>
 <p:sld xmlns:a="http://schemas.openxmlformats.org/drawingml/2006/main" xmlns:r="http://schemas.openxmlformats.org/officeDocument/2006/relationships" xmlns:p="http://schemas.openxmlformats.org/presentationml/2006/main">
   <p:cSld>
     <p:spTree>
@@ -10474,6 +10823,10 @@
           </p:nvPr>
         </p:nvSpPr>
         <p:spPr>
+          <a:xfrm>
+            <a:off x="311700" y="445025"/>
+            <a:ext cx="7442412" cy="613200"/>
+          </a:xfrm>
           <a:prstGeom prst="rect">
             <a:avLst/>
           </a:prstGeom>
@@ -10484,20 +10837,20 @@
           </a:bodyPr>
           <a:lstStyle/>
           <a:p>
-            <a:pPr marL="0" lvl="0" indent="0" algn="l" rtl="0">
-              <a:spcBef>
-                <a:spcPts val="0"/>
-              </a:spcBef>
-              <a:spcAft>
-                <a:spcPts val="0"/>
-              </a:spcAft>
-              <a:buNone/>
-            </a:pPr>
-            <a:r>
-              <a:rPr lang="en"/>
-              <a:t>End</a:t>
-            </a:r>
-            <a:endParaRPr/>
+            <a:pPr marL="0" lvl="0" indent="0" algn="ctr" rtl="0">
+              <a:spcBef>
+                <a:spcPts val="0"/>
+              </a:spcBef>
+              <a:spcAft>
+                <a:spcPts val="0"/>
+              </a:spcAft>
+              <a:buNone/>
+            </a:pPr>
+            <a:r>
+              <a:rPr lang="en-US" dirty="0" smtClean="0"/>
+              <a:t>SHOW DEMO</a:t>
+            </a:r>
+            <a:endParaRPr dirty="0"/>
           </a:p>
         </p:txBody>
       </p:sp>
@@ -10512,26 +10865,39 @@
           </p:nvPr>
         </p:nvSpPr>
         <p:spPr>
+          <a:xfrm>
+            <a:off x="311700" y="1171600"/>
+            <a:ext cx="7506420" cy="3397200"/>
+          </a:xfrm>
           <a:prstGeom prst="rect">
             <a:avLst/>
           </a:prstGeom>
         </p:spPr>
         <p:txBody>
-          <a:bodyPr spcFirstLastPara="1" wrap="square" lIns="91425" tIns="91425" rIns="91425" bIns="91425" anchor="t" anchorCtr="0">
+          <a:bodyPr spcFirstLastPara="1" wrap="square" lIns="91425" tIns="91425" rIns="91425" bIns="91425" anchor="ctr" anchorCtr="0">
             <a:noAutofit/>
           </a:bodyPr>
           <a:lstStyle/>
           <a:p>
-            <a:pPr marL="0" lvl="0" indent="0" algn="l" rtl="0">
-              <a:spcBef>
-                <a:spcPts val="0"/>
-              </a:spcBef>
+            <a:pPr marL="0" indent="0" algn="ctr">
               <a:spcAft>
                 <a:spcPts val="1600"/>
               </a:spcAft>
               <a:buNone/>
             </a:pPr>
-            <a:endParaRPr/>
+            <a:r>
+              <a:rPr lang="en-US" sz="2400" dirty="0" smtClean="0">
+                <a:solidFill>
+                  <a:schemeClr val="accent2"/>
+                </a:solidFill>
+              </a:rPr>
+              <a:t>THANK YOU</a:t>
+            </a:r>
+            <a:endParaRPr sz="2400" dirty="0">
+              <a:solidFill>
+                <a:schemeClr val="accent2"/>
+              </a:solidFill>
+            </a:endParaRPr>
           </a:p>
         </p:txBody>
       </p:sp>
@@ -10540,6 +10906,13 @@
   <p:clrMapOvr>
     <a:masterClrMapping/>
   </p:clrMapOvr>
+  <p:timing>
+    <p:tnLst>
+      <p:par>
+        <p:cTn id="1" dur="indefinite" restart="never" nodeType="tmRoot"/>
+      </p:par>
+    </p:tnLst>
+  </p:timing>
 </p:sld>
 </file>
 
@@ -10687,6 +11060,13 @@
   <p:clrMapOvr>
     <a:masterClrMapping/>
   </p:clrMapOvr>
+  <p:timing>
+    <p:tnLst>
+      <p:par>
+        <p:cTn id="1" dur="indefinite" restart="never" nodeType="tmRoot"/>
+      </p:par>
+    </p:tnLst>
+  </p:timing>
 </p:sld>
 </file>
 
@@ -10836,6 +11216,13 @@
   <p:clrMapOvr>
     <a:masterClrMapping/>
   </p:clrMapOvr>
+  <p:timing>
+    <p:tnLst>
+      <p:par>
+        <p:cTn id="1" dur="indefinite" restart="never" nodeType="tmRoot"/>
+      </p:par>
+    </p:tnLst>
+  </p:timing>
 </p:sld>
 </file>
 
@@ -11023,6 +11410,13 @@
   <p:clrMapOvr>
     <a:masterClrMapping/>
   </p:clrMapOvr>
+  <p:timing>
+    <p:tnLst>
+      <p:par>
+        <p:cTn id="1" dur="indefinite" restart="never" nodeType="tmRoot"/>
+      </p:par>
+    </p:tnLst>
+  </p:timing>
 </p:sld>
 </file>
 
@@ -11121,15 +11515,7 @@
             </a:pPr>
             <a:r>
               <a:rPr lang="en-US" sz="1800" dirty="0" smtClean="0"/>
-              <a:t>Overall approach </a:t>
-            </a:r>
-            <a:r>
-              <a:rPr lang="en-US" sz="1800" dirty="0" smtClean="0"/>
-              <a:t>was</a:t>
-            </a:r>
-            <a:r>
-              <a:rPr lang="en-US" sz="1800" dirty="0" smtClean="0"/>
-              <a:t> specification-based testing.</a:t>
+              <a:t>Overall approach was specification-based testing.</a:t>
             </a:r>
           </a:p>
           <a:p>
@@ -11173,6 +11559,13 @@
   <p:clrMapOvr>
     <a:masterClrMapping/>
   </p:clrMapOvr>
+  <p:timing>
+    <p:tnLst>
+      <p:par>
+        <p:cTn id="1" dur="indefinite" restart="never" nodeType="tmRoot"/>
+      </p:par>
+    </p:tnLst>
+  </p:timing>
 </p:sld>
 </file>
 
@@ -11375,6 +11768,13 @@
   <p:clrMapOvr>
     <a:masterClrMapping/>
   </p:clrMapOvr>
+  <p:timing>
+    <p:tnLst>
+      <p:par>
+        <p:cTn id="1" dur="indefinite" restart="never" nodeType="tmRoot"/>
+      </p:par>
+    </p:tnLst>
+  </p:timing>
 </p:sld>
 </file>
 
@@ -11502,6 +11902,13 @@
   <p:clrMapOvr>
     <a:masterClrMapping/>
   </p:clrMapOvr>
+  <p:timing>
+    <p:tnLst>
+      <p:par>
+        <p:cTn id="1" dur="indefinite" restart="never" nodeType="tmRoot"/>
+      </p:par>
+    </p:tnLst>
+  </p:timing>
 </p:sld>
 </file>
 
@@ -11620,11 +12027,7 @@
             </a:pPr>
             <a:r>
               <a:rPr lang="en-US" dirty="0" smtClean="0"/>
-              <a:t>Processor: 2.8GHz dual-core Intel core i</a:t>
-            </a:r>
-            <a:r>
-              <a:rPr lang="en-US" dirty="0" smtClean="0"/>
-              <a:t>7</a:t>
+              <a:t>Processor: 2.8GHz dual-core Intel core i7</a:t>
             </a:r>
           </a:p>
           <a:p>
@@ -12248,6 +12651,13 @@
   <p:clrMapOvr>
     <a:masterClrMapping/>
   </p:clrMapOvr>
+  <p:timing>
+    <p:tnLst>
+      <p:par>
+        <p:cTn id="1" dur="indefinite" restart="never" nodeType="tmRoot"/>
+      </p:par>
+    </p:tnLst>
+  </p:timing>
 </p:sld>
 </file>
 
@@ -12299,10 +12709,14 @@
               <a:buNone/>
             </a:pPr>
             <a:r>
-              <a:rPr lang="en"/>
-              <a:t>Features Tested/Not Tested</a:t>
-            </a:r>
-            <a:endParaRPr/>
+              <a:rPr lang="en" dirty="0"/>
+              <a:t>Features </a:t>
+            </a:r>
+            <a:r>
+              <a:rPr lang="en" dirty="0" smtClean="0"/>
+              <a:t>Tested</a:t>
+            </a:r>
+            <a:endParaRPr dirty="0"/>
           </a:p>
         </p:txBody>
       </p:sp>
@@ -12317,6 +12731,10 @@
           </p:nvPr>
         </p:nvSpPr>
         <p:spPr>
+          <a:xfrm>
+            <a:off x="311700" y="1171600"/>
+            <a:ext cx="2958442" cy="3397200"/>
+          </a:xfrm>
           <a:prstGeom prst="rect">
             <a:avLst/>
           </a:prstGeom>
@@ -12336,7 +12754,103 @@
               </a:spcAft>
               <a:buNone/>
             </a:pPr>
-            <a:endParaRPr/>
+            <a:r>
+              <a:rPr lang="en-US" dirty="0" smtClean="0"/>
+              <a:t>Tested:</a:t>
+            </a:r>
+          </a:p>
+          <a:p>
+            <a:pPr marL="342900">
+              <a:spcAft>
+                <a:spcPts val="1600"/>
+              </a:spcAft>
+            </a:pPr>
+            <a:r>
+              <a:rPr lang="en-US" dirty="0" smtClean="0"/>
+              <a:t>Login</a:t>
+            </a:r>
+          </a:p>
+          <a:p>
+            <a:pPr marL="342900">
+              <a:spcAft>
+                <a:spcPts val="1600"/>
+              </a:spcAft>
+            </a:pPr>
+            <a:r>
+              <a:rPr lang="en-US" dirty="0" smtClean="0"/>
+              <a:t>Logout</a:t>
+            </a:r>
+          </a:p>
+          <a:p>
+            <a:pPr marL="342900">
+              <a:spcAft>
+                <a:spcPts val="1600"/>
+              </a:spcAft>
+            </a:pPr>
+            <a:r>
+              <a:rPr lang="en-US" dirty="0" smtClean="0"/>
+              <a:t>Authenticate</a:t>
+            </a:r>
+          </a:p>
+          <a:p>
+            <a:pPr marL="342900">
+              <a:spcAft>
+                <a:spcPts val="1600"/>
+              </a:spcAft>
+            </a:pPr>
+            <a:r>
+              <a:rPr lang="en-US" dirty="0" smtClean="0"/>
+              <a:t>Schedule Setup</a:t>
+            </a:r>
+          </a:p>
+          <a:p>
+            <a:pPr marL="342900">
+              <a:spcAft>
+                <a:spcPts val="1600"/>
+              </a:spcAft>
+            </a:pPr>
+            <a:r>
+              <a:rPr lang="en-US" dirty="0" smtClean="0"/>
+              <a:t>Schedule Edit</a:t>
+            </a:r>
+          </a:p>
+          <a:p>
+            <a:pPr marL="342900">
+              <a:spcAft>
+                <a:spcPts val="1600"/>
+              </a:spcAft>
+            </a:pPr>
+            <a:r>
+              <a:rPr lang="en-US" dirty="0" smtClean="0"/>
+              <a:t>Message popup</a:t>
+            </a:r>
+          </a:p>
+          <a:p>
+            <a:pPr marL="342900">
+              <a:spcAft>
+                <a:spcPts val="1600"/>
+              </a:spcAft>
+            </a:pPr>
+            <a:r>
+              <a:rPr lang="en-US" dirty="0" smtClean="0"/>
+              <a:t>Database access</a:t>
+            </a:r>
+          </a:p>
+          <a:p>
+            <a:pPr marL="342900">
+              <a:spcAft>
+                <a:spcPts val="1600"/>
+              </a:spcAft>
+            </a:pPr>
+            <a:endParaRPr lang="en-US" dirty="0" smtClean="0"/>
+          </a:p>
+          <a:p>
+            <a:pPr marL="342900">
+              <a:spcAft>
+                <a:spcPts val="1600"/>
+              </a:spcAft>
+            </a:pPr>
+            <a:endParaRPr dirty="0"/>
           </a:p>
         </p:txBody>
       </p:sp>
@@ -12345,6 +12859,13 @@
   <p:clrMapOvr>
     <a:masterClrMapping/>
   </p:clrMapOvr>
+  <p:timing>
+    <p:tnLst>
+      <p:par>
+        <p:cTn id="1" dur="indefinite" restart="never" nodeType="tmRoot"/>
+      </p:par>
+    </p:tnLst>
+  </p:timing>
 </p:sld>
 </file>
 
